--- a/guestbook.pptx
+++ b/guestbook.pptx
@@ -4787,7 +4787,7 @@
             </p:nvSpPr>
             <p:spPr>
               <a:xfrm>
-                <a:off x="3914936" y="864274"/>
+                <a:off x="3914936" y="884229"/>
                 <a:ext cx="677333" cy="338554"/>
               </a:xfrm>
               <a:prstGeom prst="rect">
@@ -4824,7 +4824,7 @@
             </p:nvSpPr>
             <p:spPr>
               <a:xfrm>
-                <a:off x="5983498" y="1356772"/>
+                <a:off x="5979520" y="1372161"/>
                 <a:ext cx="677333" cy="338554"/>
               </a:xfrm>
               <a:prstGeom prst="rect">

--- a/guestbook.pptx
+++ b/guestbook.pptx
@@ -15,8 +15,9 @@
     <p:sldId id="265" r:id="rId9"/>
     <p:sldId id="259" r:id="rId10"/>
     <p:sldId id="269" r:id="rId11"/>
-    <p:sldId id="267" r:id="rId12"/>
-    <p:sldId id="268" r:id="rId13"/>
+    <p:sldId id="270" r:id="rId12"/>
+    <p:sldId id="267" r:id="rId13"/>
+    <p:sldId id="268" r:id="rId14"/>
   </p:sldIdLst>
   <p:sldSz cx="12192000" cy="6858000"/>
   <p:notesSz cx="6858000" cy="9144000"/>
@@ -3642,6 +3643,108 @@
           <p:cNvPr id="2" name="Title 1">
             <a:extLst>
               <a:ext uri="{FF2B5EF4-FFF2-40B4-BE49-F238E27FC236}">
+                <a16:creationId xmlns:a16="http://schemas.microsoft.com/office/drawing/2014/main" id="{3024BD9C-414E-D046-86A5-58BEEFB33A88}"/>
+              </a:ext>
+            </a:extLst>
+          </p:cNvPr>
+          <p:cNvSpPr>
+            <a:spLocks noGrp="1"/>
+          </p:cNvSpPr>
+          <p:nvPr>
+            <p:ph type="title"/>
+          </p:nvPr>
+        </p:nvSpPr>
+        <p:spPr/>
+        <p:txBody>
+          <a:bodyPr/>
+          <a:lstStyle/>
+          <a:p>
+            <a:r>
+              <a:rPr lang="en-KR" b="1" dirty="0"/>
+              <a:t>Unit test</a:t>
+            </a:r>
+          </a:p>
+        </p:txBody>
+      </p:sp>
+      <p:sp>
+        <p:nvSpPr>
+          <p:cNvPr id="3" name="Content Placeholder 2">
+            <a:extLst>
+              <a:ext uri="{FF2B5EF4-FFF2-40B4-BE49-F238E27FC236}">
+                <a16:creationId xmlns:a16="http://schemas.microsoft.com/office/drawing/2014/main" id="{D1A8D91A-A06B-C146-B807-E6876E16DA0D}"/>
+              </a:ext>
+            </a:extLst>
+          </p:cNvPr>
+          <p:cNvSpPr>
+            <a:spLocks noGrp="1"/>
+          </p:cNvSpPr>
+          <p:nvPr>
+            <p:ph idx="1"/>
+          </p:nvPr>
+        </p:nvSpPr>
+        <p:spPr/>
+        <p:txBody>
+          <a:bodyPr/>
+          <a:lstStyle/>
+          <a:p>
+            <a:r>
+              <a:rPr lang="en-KR" dirty="0"/>
+              <a:t>Simple unit test for both DAO and Servlet classes are also included on test package.</a:t>
+            </a:r>
+          </a:p>
+          <a:p>
+            <a:r>
+              <a:rPr lang="en-KR" dirty="0"/>
+              <a:t>Please refer to our </a:t>
+            </a:r>
+            <a:r>
+              <a:rPr lang="en-KR" dirty="0">
+                <a:hlinkClick r:id="rId2"/>
+              </a:rPr>
+              <a:t>public code repo</a:t>
+            </a:r>
+            <a:r>
+              <a:rPr lang="en-KR" dirty="0"/>
+              <a:t> regarding unit tests.</a:t>
+            </a:r>
+          </a:p>
+        </p:txBody>
+      </p:sp>
+    </p:spTree>
+    <p:extLst>
+      <p:ext uri="{BB962C8B-B14F-4D97-AF65-F5344CB8AC3E}">
+        <p14:creationId xmlns:p14="http://schemas.microsoft.com/office/powerpoint/2010/main" val="2068584817"/>
+      </p:ext>
+    </p:extLst>
+  </p:cSld>
+  <p:clrMapOvr>
+    <a:masterClrMapping/>
+  </p:clrMapOvr>
+</p:sld>
+</file>
+
+<file path=ppt/slides/slide12.xml><?xml version="1.0" encoding="utf-8"?>
+<p:sld xmlns:a="http://schemas.openxmlformats.org/drawingml/2006/main" xmlns:r="http://schemas.openxmlformats.org/officeDocument/2006/relationships" xmlns:p="http://schemas.openxmlformats.org/presentationml/2006/main">
+  <p:cSld>
+    <p:spTree>
+      <p:nvGrpSpPr>
+        <p:cNvPr id="1" name=""/>
+        <p:cNvGrpSpPr/>
+        <p:nvPr/>
+      </p:nvGrpSpPr>
+      <p:grpSpPr>
+        <a:xfrm>
+          <a:off x="0" y="0"/>
+          <a:ext cx="0" cy="0"/>
+          <a:chOff x="0" y="0"/>
+          <a:chExt cx="0" cy="0"/>
+        </a:xfrm>
+      </p:grpSpPr>
+      <p:sp>
+        <p:nvSpPr>
+          <p:cNvPr id="2" name="Title 1">
+            <a:extLst>
+              <a:ext uri="{FF2B5EF4-FFF2-40B4-BE49-F238E27FC236}">
                 <a16:creationId xmlns:a16="http://schemas.microsoft.com/office/drawing/2014/main" id="{4E2954EC-5008-BD42-AD99-6F5A0EAE8E4B}"/>
               </a:ext>
             </a:extLst>
@@ -3703,7 +3806,7 @@
 </p:sld>
 </file>
 
-<file path=ppt/slides/slide12.xml><?xml version="1.0" encoding="utf-8"?>
+<file path=ppt/slides/slide13.xml><?xml version="1.0" encoding="utf-8"?>
 <p:sld xmlns:a="http://schemas.openxmlformats.org/drawingml/2006/main" xmlns:r="http://schemas.openxmlformats.org/officeDocument/2006/relationships" xmlns:p="http://schemas.openxmlformats.org/presentationml/2006/main">
   <p:cSld>
     <p:spTree>
@@ -3859,18 +3962,19 @@
           </a:p>
           <a:p>
             <a:r>
+              <a:rPr lang="en-KR"/>
+              <a:t>Architecture </a:t>
+            </a:r>
+            <a:r>
               <a:rPr lang="en-KR" dirty="0"/>
-              <a:t>User </a:t>
-            </a:r>
-            <a:r>
-              <a:rPr lang="en-US" dirty="0"/>
-              <a:t>scenario</a:t>
-            </a:r>
-          </a:p>
-          <a:p>
+              <a:t>(MVC model)</a:t>
+            </a:r>
+          </a:p>
+          <a:p>
+            <a:pPr lvl="1"/>
             <a:r>
               <a:rPr lang="en-KR" dirty="0"/>
-              <a:t>Architecture (MVC model)</a:t>
+              <a:t>Details</a:t>
             </a:r>
           </a:p>
           <a:p>
